--- a/IBM Research agent project.pptx
+++ b/IBM Research agent project.pptx
@@ -135,9 +135,54 @@
 <file path=ppt/revisionInfo.xml><?xml version="1.0" encoding="utf-8"?>
 <p1510:revInfo xmlns:a="http://schemas.openxmlformats.org/drawingml/2006/main" xmlns:r="http://schemas.openxmlformats.org/officeDocument/2006/relationships" xmlns:p1510="http://schemas.microsoft.com/office/powerpoint/2015/10/main">
   <p1510:revLst>
+    <p1510:client id="{17090E5E-CEB6-4A9C-9814-6641F27EF85B}" v="3" dt="2025-08-04T18:16:55.150"/>
     <p1510:client id="{D3622FDB-E221-41C5-B658-9F59DE70500C}" v="117" dt="2025-08-04T17:57:53.418"/>
   </p1510:revLst>
 </p1510:revInfo>
+</file>
+
+<file path=ppt/changesInfos/changesInfo1.xml><?xml version="1.0" encoding="utf-8"?>
+<pc:chgInfo xmlns:a="http://schemas.openxmlformats.org/drawingml/2006/main" xmlns:r="http://schemas.openxmlformats.org/officeDocument/2006/relationships" xmlns:ac="http://schemas.microsoft.com/office/drawing/2013/main/command" xmlns:pc="http://schemas.microsoft.com/office/powerpoint/2013/main/command">
+  <pc:docChgLst>
+    <pc:chgData name="Tamil selvan .T" userId="4ce319c47702f409" providerId="LiveId" clId="{17090E5E-CEB6-4A9C-9814-6641F27EF85B}"/>
+    <pc:docChg chg="modSld">
+      <pc:chgData name="Tamil selvan .T" userId="4ce319c47702f409" providerId="LiveId" clId="{17090E5E-CEB6-4A9C-9814-6641F27EF85B}" dt="2025-08-04T18:16:55.150" v="83"/>
+      <pc:docMkLst>
+        <pc:docMk/>
+      </pc:docMkLst>
+      <pc:sldChg chg="modSp mod">
+        <pc:chgData name="Tamil selvan .T" userId="4ce319c47702f409" providerId="LiveId" clId="{17090E5E-CEB6-4A9C-9814-6641F27EF85B}" dt="2025-08-04T18:06:53.274" v="29" actId="1076"/>
+        <pc:sldMkLst>
+          <pc:docMk/>
+          <pc:sldMk cId="3210358481" sldId="263"/>
+        </pc:sldMkLst>
+        <pc:spChg chg="mod">
+          <ac:chgData name="Tamil selvan .T" userId="4ce319c47702f409" providerId="LiveId" clId="{17090E5E-CEB6-4A9C-9814-6641F27EF85B}" dt="2025-08-04T18:06:53.274" v="29" actId="1076"/>
+          <ac:spMkLst>
+            <pc:docMk/>
+            <pc:sldMk cId="3210358481" sldId="263"/>
+            <ac:spMk id="2" creationId="{E041FD9D-DF07-9C37-1E61-1D920E0EF1D4}"/>
+          </ac:spMkLst>
+        </pc:spChg>
+      </pc:sldChg>
+      <pc:sldChg chg="modSp mod">
+        <pc:chgData name="Tamil selvan .T" userId="4ce319c47702f409" providerId="LiveId" clId="{17090E5E-CEB6-4A9C-9814-6641F27EF85B}" dt="2025-08-04T18:16:55.150" v="83"/>
+        <pc:sldMkLst>
+          <pc:docMk/>
+          <pc:sldMk cId="4154508776" sldId="266"/>
+        </pc:sldMkLst>
+        <pc:spChg chg="mod">
+          <ac:chgData name="Tamil selvan .T" userId="4ce319c47702f409" providerId="LiveId" clId="{17090E5E-CEB6-4A9C-9814-6641F27EF85B}" dt="2025-08-04T18:16:55.150" v="83"/>
+          <ac:spMkLst>
+            <pc:docMk/>
+            <pc:sldMk cId="4154508776" sldId="266"/>
+            <ac:spMk id="2" creationId="{F7F0871F-2198-9E37-C96F-3611AA199B60}"/>
+          </ac:spMkLst>
+        </pc:spChg>
+      </pc:sldChg>
+    </pc:docChg>
+  </pc:docChgLst>
+</pc:chgInfo>
 </file>
 
 <file path=ppt/notesMasters/notesMaster1.xml><?xml version="1.0" encoding="utf-8"?>
@@ -6453,8 +6498,8 @@
         </p:nvSpPr>
         <p:spPr>
           <a:xfrm>
-            <a:off x="367916" y="1048221"/>
-            <a:ext cx="11613485" cy="5563973"/>
+            <a:off x="289257" y="1055471"/>
+            <a:ext cx="11613485" cy="5283753"/>
           </a:xfrm>
         </p:spPr>
         <p:txBody>
@@ -6463,7 +6508,9 @@
           </a:bodyPr>
           <a:lstStyle/>
           <a:p>
-            <a:pPr marL="305435" indent="-305435"/>
+            <a:pPr marL="0" indent="0">
+              <a:buNone/>
+            </a:pPr>
             <a:endParaRPr lang="en-IN" sz="1200" b="1" dirty="0">
               <a:latin typeface="Calibri"/>
               <a:cs typeface="Calibri"/>
@@ -6712,6 +6759,20 @@
             <a:pPr marL="0" indent="0">
               <a:buNone/>
             </a:pPr>
+            <a:r>
+              <a:rPr lang="en-IN" b="1" dirty="0"/>
+              <a:t>GitHub Repo Link</a:t>
+            </a:r>
+            <a:r>
+              <a:rPr lang="en-IN" dirty="0"/>
+              <a:t>: </a:t>
+            </a:r>
+            <a:r>
+              <a:rPr lang="en-IN" dirty="0">
+                <a:hlinkClick r:id="rId2"/>
+              </a:rPr>
+              <a:t>https://github.com/TAMILSELVAN-2108/Research_AI_Agent-</a:t>
+            </a:r>
             <a:endParaRPr lang="en-IN" dirty="0"/>
           </a:p>
         </p:txBody>
@@ -7009,7 +7070,7 @@
                 <a:ea typeface="+mn-lt"/>
                 <a:cs typeface="+mn-lt"/>
               </a:rPr>
-              <a:t>In the model section, describe the Mistral – large foundational model. Here's an example structure for this section:</a:t>
+              <a:t>In the model section, describe the Granite-3-3-8b instruct model. Here's an example structure for this section:</a:t>
             </a:r>
             <a:endParaRPr lang="en-IN" sz="1400" dirty="0"/>
           </a:p>
@@ -7031,7 +7092,21 @@
                 <a:ea typeface="+mn-lt"/>
                 <a:cs typeface="+mn-lt"/>
               </a:rPr>
-              <a:t>Selected the model based on the Research prepose like Mistral – large and justify its selection based on the problem statement and its characteristics.</a:t>
+              <a:t>Selected the model based on the Research prepose </a:t>
+            </a:r>
+            <a:r>
+              <a:rPr lang="en-IN">
+                <a:ea typeface="+mn-lt"/>
+                <a:cs typeface="+mn-lt"/>
+              </a:rPr>
+              <a:t>like Granite-3-3-8b instruct </a:t>
+            </a:r>
+            <a:r>
+              <a:rPr lang="en-IN" dirty="0">
+                <a:ea typeface="+mn-lt"/>
+                <a:cs typeface="+mn-lt"/>
+              </a:rPr>
+              <a:t>and justify its selection based on the problem statement and its characteristics.</a:t>
             </a:r>
             <a:endParaRPr lang="en-IN" dirty="0"/>
           </a:p>
@@ -8026,24 +8101,6 @@
 </file>
 
 <file path=customXml/item1.xml><?xml version="1.0" encoding="utf-8"?>
-<?mso-contentType ?>
-<FormTemplates xmlns="http://schemas.microsoft.com/sharepoint/v3/contenttype/forms">
-  <Display>DocumentLibraryForm</Display>
-  <Edit>DocumentLibraryForm</Edit>
-  <New>DocumentLibraryForm</New>
-</FormTemplates>
-</file>
-
-<file path=customXml/item2.xml><?xml version="1.0" encoding="utf-8"?>
-<p:properties xmlns:p="http://schemas.microsoft.com/office/2006/metadata/properties" xmlns:xsi="http://www.w3.org/2001/XMLSchema-instance" xmlns:pc="http://schemas.microsoft.com/office/infopath/2007/PartnerControls">
-  <documentManagement>
-    <MediaServiceKeyPoints xmlns="9162bd5b-4ed9-4da3-b376-05204580ba3f" xsi:nil="true"/>
-    <_activity xmlns="9162bd5b-4ed9-4da3-b376-05204580ba3f" xsi:nil="true"/>
-  </documentManagement>
-</p:properties>
-</file>
-
-<file path=customXml/item3.xml><?xml version="1.0" encoding="utf-8"?>
 <ct:contentTypeSchema xmlns:ct="http://schemas.microsoft.com/office/2006/metadata/contentType" xmlns:ma="http://schemas.microsoft.com/office/2006/metadata/properties/metaAttributes" ct:_="" ma:_="" ma:contentTypeName="Document" ma:contentTypeID="0x0101000F1872188ABCFC48BECA6C87E8AC3285" ma:contentTypeVersion="17" ma:contentTypeDescription="Create a new document." ma:contentTypeScope="" ma:versionID="55a158675e089c6a85ab0f83b89e1a15">
   <xsd:schema xmlns:xsd="http://www.w3.org/2001/XMLSchema" xmlns:xs="http://www.w3.org/2001/XMLSchema" xmlns:p="http://schemas.microsoft.com/office/2006/metadata/properties" xmlns:ns3="9162bd5b-4ed9-4da3-b376-05204580ba3f" xmlns:ns4="c0fa2617-96bd-425d-8578-e93563fe37c5" targetNamespace="http://schemas.microsoft.com/office/2006/metadata/properties" ma:root="true" ma:fieldsID="b35f082308864fa161c4a0a9eca35eff" ns3:_="" ns4:_="">
     <xsd:import namespace="9162bd5b-4ed9-4da3-b376-05204580ba3f"/>
@@ -8290,10 +8347,39 @@
 </ct:contentTypeSchema>
 </file>
 
+<file path=customXml/item2.xml><?xml version="1.0" encoding="utf-8"?>
+<p:properties xmlns:p="http://schemas.microsoft.com/office/2006/metadata/properties" xmlns:xsi="http://www.w3.org/2001/XMLSchema-instance" xmlns:pc="http://schemas.microsoft.com/office/infopath/2007/PartnerControls">
+  <documentManagement>
+    <MediaServiceKeyPoints xmlns="9162bd5b-4ed9-4da3-b376-05204580ba3f" xsi:nil="true"/>
+    <_activity xmlns="9162bd5b-4ed9-4da3-b376-05204580ba3f" xsi:nil="true"/>
+  </documentManagement>
+</p:properties>
+</file>
+
+<file path=customXml/item3.xml><?xml version="1.0" encoding="utf-8"?>
+<?mso-contentType ?>
+<FormTemplates xmlns="http://schemas.microsoft.com/sharepoint/v3/contenttype/forms">
+  <Display>DocumentLibraryForm</Display>
+  <Edit>DocumentLibraryForm</Edit>
+  <New>DocumentLibraryForm</New>
+</FormTemplates>
+</file>
+
 <file path=customXml/itemProps1.xml><?xml version="1.0" encoding="utf-8"?>
-<ds:datastoreItem xmlns:ds="http://schemas.openxmlformats.org/officeDocument/2006/customXml" ds:itemID="{927BD4C1-B6B1-4715-ABF9-E660A51A4EA0}">
+<ds:datastoreItem xmlns:ds="http://schemas.openxmlformats.org/officeDocument/2006/customXml" ds:itemID="{6E816721-11E4-4989-8472-AB5A7EC20404}">
   <ds:schemaRefs>
-    <ds:schemaRef ds:uri="http://schemas.microsoft.com/sharepoint/v3/contenttype/forms"/>
+    <ds:schemaRef ds:uri="9162bd5b-4ed9-4da3-b376-05204580ba3f"/>
+    <ds:schemaRef ds:uri="c0fa2617-96bd-425d-8578-e93563fe37c5"/>
+    <ds:schemaRef ds:uri="http://purl.org/dc/elements/1.1/"/>
+    <ds:schemaRef ds:uri="http://purl.org/dc/terms/"/>
+    <ds:schemaRef ds:uri="http://schemas.microsoft.com/internal/obd"/>
+    <ds:schemaRef ds:uri="http://schemas.microsoft.com/office/2006/documentManagement/types"/>
+    <ds:schemaRef ds:uri="http://schemas.microsoft.com/office/2006/metadata/contentType"/>
+    <ds:schemaRef ds:uri="http://schemas.microsoft.com/office/2006/metadata/properties"/>
+    <ds:schemaRef ds:uri="http://schemas.microsoft.com/office/2006/metadata/properties/metaAttributes"/>
+    <ds:schemaRef ds:uri="http://schemas.microsoft.com/office/infopath/2007/PartnerControls"/>
+    <ds:schemaRef ds:uri="http://schemas.openxmlformats.org/package/2006/metadata/core-properties"/>
+    <ds:schemaRef ds:uri="http://www.w3.org/2001/XMLSchema"/>
   </ds:schemaRefs>
 </ds:datastoreItem>
 </file>
@@ -8316,20 +8402,9 @@
 </file>
 
 <file path=customXml/itemProps3.xml><?xml version="1.0" encoding="utf-8"?>
-<ds:datastoreItem xmlns:ds="http://schemas.openxmlformats.org/officeDocument/2006/customXml" ds:itemID="{6E816721-11E4-4989-8472-AB5A7EC20404}">
+<ds:datastoreItem xmlns:ds="http://schemas.openxmlformats.org/officeDocument/2006/customXml" ds:itemID="{927BD4C1-B6B1-4715-ABF9-E660A51A4EA0}">
   <ds:schemaRefs>
-    <ds:schemaRef ds:uri="9162bd5b-4ed9-4da3-b376-05204580ba3f"/>
-    <ds:schemaRef ds:uri="c0fa2617-96bd-425d-8578-e93563fe37c5"/>
-    <ds:schemaRef ds:uri="http://purl.org/dc/elements/1.1/"/>
-    <ds:schemaRef ds:uri="http://purl.org/dc/terms/"/>
-    <ds:schemaRef ds:uri="http://schemas.microsoft.com/internal/obd"/>
-    <ds:schemaRef ds:uri="http://schemas.microsoft.com/office/2006/documentManagement/types"/>
-    <ds:schemaRef ds:uri="http://schemas.microsoft.com/office/2006/metadata/contentType"/>
-    <ds:schemaRef ds:uri="http://schemas.microsoft.com/office/2006/metadata/properties"/>
-    <ds:schemaRef ds:uri="http://schemas.microsoft.com/office/2006/metadata/properties/metaAttributes"/>
-    <ds:schemaRef ds:uri="http://schemas.microsoft.com/office/infopath/2007/PartnerControls"/>
-    <ds:schemaRef ds:uri="http://schemas.openxmlformats.org/package/2006/metadata/core-properties"/>
-    <ds:schemaRef ds:uri="http://www.w3.org/2001/XMLSchema"/>
+    <ds:schemaRef ds:uri="http://schemas.microsoft.com/sharepoint/v3/contenttype/forms"/>
   </ds:schemaRefs>
 </ds:datastoreItem>
 </file>